--- a/aiogram.pptx
+++ b/aiogram.pptx
@@ -10,6 +10,7 @@
     <p:sldId id="258" r:id="rId4"/>
     <p:sldId id="259" r:id="rId5"/>
     <p:sldId id="260" r:id="rId6"/>
+    <p:sldId id="261" r:id="rId7"/>
   </p:sldIdLst>
   <p:sldSz cx="12192000" cy="6858000"/>
   <p:notesSz cx="6858000" cy="9144000"/>
@@ -108,6 +109,11 @@
       </a:defRPr>
     </a:lvl9pPr>
   </p:defaultTextStyle>
+  <p:extLst>
+    <p:ext uri="{EFAFB233-063F-42B5-8137-9DF3F51BA10A}">
+      <p15:sldGuideLst xmlns:p15="http://schemas.microsoft.com/office/powerpoint/2012/main"/>
+    </p:ext>
+  </p:extLst>
 </p:presentation>
 </file>
 
@@ -3111,8 +3117,9 @@
             </a:r>
             <a:r>
               <a:rPr lang="ru-RU" dirty="0" smtClean="0"/>
-              <a:t> Бот, который позволяет пользователям распознавать текст на изображениях.</a:t>
-            </a:r>
+              <a:t> Принимать картинки с текстом и распознавать текст при помощи специальных библиотек</a:t>
+            </a:r>
+            <a:endParaRPr lang="ru-RU" dirty="0"/>
           </a:p>
           <a:p>
             <a:pPr marL="0" indent="0">
@@ -3332,7 +3339,7 @@
         </p:blipFill>
         <p:spPr>
           <a:xfrm>
-            <a:off x="5489017" y="831521"/>
+            <a:off x="5202222" y="848486"/>
             <a:ext cx="1587700" cy="1963210"/>
           </a:xfrm>
           <a:prstGeom prst="rect">
@@ -3386,7 +3393,7 @@
         </p:blipFill>
         <p:spPr>
           <a:xfrm rot="670417">
-            <a:off x="9461306" y="2410168"/>
+            <a:off x="9282351" y="1816123"/>
             <a:ext cx="1682777" cy="688069"/>
           </a:xfrm>
           <a:prstGeom prst="rect">
@@ -3410,7 +3417,7 @@
         </p:blipFill>
         <p:spPr>
           <a:xfrm rot="21415041">
-            <a:off x="1585231" y="3885597"/>
+            <a:off x="1836312" y="3863647"/>
             <a:ext cx="2558970" cy="1279485"/>
           </a:xfrm>
           <a:prstGeom prst="rect">
@@ -3433,8 +3440,8 @@
           </a:stretch>
         </p:blipFill>
         <p:spPr>
-          <a:xfrm rot="457244">
-            <a:off x="7992134" y="3932137"/>
+          <a:xfrm rot="394526">
+            <a:off x="7788754" y="3852842"/>
             <a:ext cx="2389306" cy="1194653"/>
           </a:xfrm>
           <a:prstGeom prst="rect">
@@ -3458,7 +3465,7 @@
         </p:blipFill>
         <p:spPr>
           <a:xfrm>
-            <a:off x="7352900" y="1748745"/>
+            <a:off x="7064500" y="1636523"/>
             <a:ext cx="2057687" cy="504895"/>
           </a:xfrm>
           <a:prstGeom prst="rect">
@@ -3488,8 +3495,8 @@
         </p:blipFill>
         <p:spPr>
           <a:xfrm rot="21348311">
-            <a:off x="3843473" y="2344799"/>
-            <a:ext cx="952500" cy="876300"/>
+            <a:off x="3952604" y="1935893"/>
+            <a:ext cx="984090" cy="905363"/>
           </a:xfrm>
           <a:prstGeom prst="rect">
             <a:avLst/>
@@ -3512,8 +3519,32 @@
         </p:blipFill>
         <p:spPr>
           <a:xfrm rot="20495261">
-            <a:off x="3376616" y="3350845"/>
+            <a:off x="3468507" y="3199014"/>
             <a:ext cx="1886213" cy="266737"/>
+          </a:xfrm>
+          <a:prstGeom prst="rect">
+            <a:avLst/>
+          </a:prstGeom>
+        </p:spPr>
+      </p:pic>
+      <p:pic>
+        <p:nvPicPr>
+          <p:cNvPr id="3" name="Рисунок 2"/>
+          <p:cNvPicPr>
+            <a:picLocks noChangeAspect="1"/>
+          </p:cNvPicPr>
+          <p:nvPr/>
+        </p:nvPicPr>
+        <p:blipFill>
+          <a:blip r:embed="rId11"/>
+          <a:stretch>
+            <a:fillRect/>
+          </a:stretch>
+        </p:blipFill>
+        <p:spPr>
+          <a:xfrm rot="331226">
+            <a:off x="7407441" y="2392396"/>
+            <a:ext cx="2730111" cy="1092044"/>
           </a:xfrm>
           <a:prstGeom prst="rect">
             <a:avLst/>
@@ -3590,7 +3621,7 @@
           <a:p>
             <a:r>
               <a:rPr lang="ru-RU" dirty="0" smtClean="0"/>
-              <a:t>Возможность отправить текст в виде файла</a:t>
+              <a:t>Возможность отправить текст в виде файла.</a:t>
             </a:r>
             <a:endParaRPr lang="en-US" dirty="0"/>
           </a:p>
@@ -3612,6 +3643,84 @@
     <p:extLst>
       <p:ext uri="{BB962C8B-B14F-4D97-AF65-F5344CB8AC3E}">
         <p14:creationId xmlns:p14="http://schemas.microsoft.com/office/powerpoint/2010/main" val="2576768589"/>
+      </p:ext>
+    </p:extLst>
+  </p:cSld>
+  <p:clrMapOvr>
+    <a:masterClrMapping/>
+  </p:clrMapOvr>
+</p:sld>
+</file>
+
+<file path=ppt/slides/slide6.xml><?xml version="1.0" encoding="utf-8"?>
+<p:sld xmlns:a="http://schemas.openxmlformats.org/drawingml/2006/main" xmlns:r="http://schemas.openxmlformats.org/officeDocument/2006/relationships" xmlns:p="http://schemas.openxmlformats.org/presentationml/2006/main">
+  <p:cSld>
+    <p:spTree>
+      <p:nvGrpSpPr>
+        <p:cNvPr id="1" name=""/>
+        <p:cNvGrpSpPr/>
+        <p:nvPr/>
+      </p:nvGrpSpPr>
+      <p:grpSpPr>
+        <a:xfrm>
+          <a:off x="0" y="0"/>
+          <a:ext cx="0" cy="0"/>
+          <a:chOff x="0" y="0"/>
+          <a:chExt cx="0" cy="0"/>
+        </a:xfrm>
+      </p:grpSpPr>
+      <p:sp>
+        <p:nvSpPr>
+          <p:cNvPr id="2" name="Заголовок 1"/>
+          <p:cNvSpPr>
+            <a:spLocks noGrp="1"/>
+          </p:cNvSpPr>
+          <p:nvPr>
+            <p:ph type="title"/>
+          </p:nvPr>
+        </p:nvSpPr>
+        <p:spPr/>
+        <p:txBody>
+          <a:bodyPr/>
+          <a:lstStyle/>
+          <a:p>
+            <a:endParaRPr lang="ru-RU"/>
+          </a:p>
+        </p:txBody>
+      </p:sp>
+      <p:pic>
+        <p:nvPicPr>
+          <p:cNvPr id="4" name="Объект 3"/>
+          <p:cNvPicPr>
+            <a:picLocks noGrp="1" noChangeAspect="1"/>
+          </p:cNvPicPr>
+          <p:nvPr>
+            <p:ph idx="1"/>
+          </p:nvPr>
+        </p:nvPicPr>
+        <p:blipFill>
+          <a:blip r:embed="rId2" cstate="print">
+            <a:extLst>
+              <a:ext uri="{28A0092B-C50C-407E-A947-70E740481C1C}">
+                <a14:useLocalDpi xmlns:a14="http://schemas.microsoft.com/office/drawing/2010/main" val="0"/>
+              </a:ext>
+            </a:extLst>
+          </a:blip>
+          <a:stretch>
+            <a:fillRect/>
+          </a:stretch>
+        </p:blipFill>
+        <p:spPr>
+          <a:xfrm>
+            <a:off x="4150337" y="0"/>
+            <a:ext cx="3573661" cy="6858000"/>
+          </a:xfrm>
+        </p:spPr>
+      </p:pic>
+    </p:spTree>
+    <p:extLst>
+      <p:ext uri="{BB962C8B-B14F-4D97-AF65-F5344CB8AC3E}">
+        <p14:creationId xmlns:p14="http://schemas.microsoft.com/office/powerpoint/2010/main" val="1361628874"/>
       </p:ext>
     </p:extLst>
   </p:cSld>
